--- a/imgs_2026/Lancaster/LancasterTownHallGraphic-Welcome.pptx
+++ b/imgs_2026/Lancaster/LancasterTownHallGraphic-Welcome.pptx
@@ -125,26 +125,26 @@
   <pc:docChgLst>
     <pc:chgData name="Williams, Bryan" userId="6f402815-f940-461c-8e6c-77be8efeb72b" providerId="ADAL" clId="{69E14B03-858D-4744-810D-5D4859937A91}"/>
     <pc:docChg chg="modSld">
-      <pc:chgData name="Williams, Bryan" userId="6f402815-f940-461c-8e6c-77be8efeb72b" providerId="ADAL" clId="{69E14B03-858D-4744-810D-5D4859937A91}" dt="2025-11-13T10:01:18.214" v="3"/>
+      <pc:chgData name="Williams, Bryan" userId="6f402815-f940-461c-8e6c-77be8efeb72b" providerId="ADAL" clId="{69E14B03-858D-4744-810D-5D4859937A91}" dt="2025-11-13T10:04:39.214" v="7" actId="166"/>
       <pc:docMkLst>
         <pc:docMk/>
       </pc:docMkLst>
       <pc:sldChg chg="addSp modSp mod">
-        <pc:chgData name="Williams, Bryan" userId="6f402815-f940-461c-8e6c-77be8efeb72b" providerId="ADAL" clId="{69E14B03-858D-4744-810D-5D4859937A91}" dt="2025-11-13T10:01:18.214" v="3"/>
+        <pc:chgData name="Williams, Bryan" userId="6f402815-f940-461c-8e6c-77be8efeb72b" providerId="ADAL" clId="{69E14B03-858D-4744-810D-5D4859937A91}" dt="2025-11-13T10:04:39.214" v="7" actId="166"/>
         <pc:sldMkLst>
           <pc:docMk/>
           <pc:sldMk cId="265998749" sldId="256"/>
         </pc:sldMkLst>
-        <pc:spChg chg="add mod">
-          <ac:chgData name="Williams, Bryan" userId="6f402815-f940-461c-8e6c-77be8efeb72b" providerId="ADAL" clId="{69E14B03-858D-4744-810D-5D4859937A91}" dt="2025-11-13T10:01:18.214" v="3"/>
+        <pc:spChg chg="add mod ord">
+          <ac:chgData name="Williams, Bryan" userId="6f402815-f940-461c-8e6c-77be8efeb72b" providerId="ADAL" clId="{69E14B03-858D-4744-810D-5D4859937A91}" dt="2025-11-13T10:04:39.214" v="7" actId="166"/>
           <ac:spMkLst>
             <pc:docMk/>
             <pc:sldMk cId="265998749" sldId="256"/>
             <ac:spMk id="2" creationId="{8ED3EC6F-CB02-7521-C643-4EE5B8A31FED}"/>
           </ac:spMkLst>
         </pc:spChg>
-        <pc:spChg chg="mod">
-          <ac:chgData name="Williams, Bryan" userId="6f402815-f940-461c-8e6c-77be8efeb72b" providerId="ADAL" clId="{69E14B03-858D-4744-810D-5D4859937A91}" dt="2025-11-13T09:45:21.882" v="0" actId="2085"/>
+        <pc:spChg chg="mod ord">
+          <ac:chgData name="Williams, Bryan" userId="6f402815-f940-461c-8e6c-77be8efeb72b" providerId="ADAL" clId="{69E14B03-858D-4744-810D-5D4859937A91}" dt="2025-11-13T10:04:32.241" v="6" actId="167"/>
           <ac:spMkLst>
             <pc:docMk/>
             <pc:sldMk cId="265998749" sldId="256"/>
@@ -3036,6 +3036,58 @@
       </p:grpSpPr>
       <p:sp>
         <p:nvSpPr>
+          <p:cNvPr id="112" name="Rectangle 111">
+            <a:extLst>
+              <a:ext uri="{FF2B5EF4-FFF2-40B4-BE49-F238E27FC236}">
+                <a16:creationId xmlns:a16="http://schemas.microsoft.com/office/drawing/2014/main" id="{7CA979AA-FF4E-CF62-F05C-B7827F6681E2}"/>
+              </a:ext>
+            </a:extLst>
+          </p:cNvPr>
+          <p:cNvSpPr/>
+          <p:nvPr/>
+        </p:nvSpPr>
+        <p:spPr>
+          <a:xfrm>
+            <a:off x="1" y="5948362"/>
+            <a:ext cx="9250118" cy="909637"/>
+          </a:xfrm>
+          <a:prstGeom prst="rect">
+            <a:avLst/>
+          </a:prstGeom>
+          <a:solidFill>
+            <a:srgbClr val="555656"/>
+          </a:solidFill>
+          <a:ln w="28575">
+            <a:noFill/>
+          </a:ln>
+        </p:spPr>
+        <p:style>
+          <a:lnRef idx="2">
+            <a:schemeClr val="accent1">
+              <a:shade val="15000"/>
+            </a:schemeClr>
+          </a:lnRef>
+          <a:fillRef idx="1">
+            <a:schemeClr val="accent1"/>
+          </a:fillRef>
+          <a:effectRef idx="0">
+            <a:schemeClr val="accent1"/>
+          </a:effectRef>
+          <a:fontRef idx="minor">
+            <a:schemeClr val="lt1"/>
+          </a:fontRef>
+        </p:style>
+        <p:txBody>
+          <a:bodyPr rtlCol="0" anchor="ctr"/>
+          <a:lstStyle/>
+          <a:p>
+            <a:pPr algn="ctr"/>
+            <a:endParaRPr lang="en-GB"/>
+          </a:p>
+        </p:txBody>
+      </p:sp>
+      <p:sp>
+        <p:nvSpPr>
           <p:cNvPr id="120" name="Rectangle 119">
             <a:extLst>
               <a:ext uri="{FF2B5EF4-FFF2-40B4-BE49-F238E27FC236}">
@@ -8410,58 +8462,6 @@
       </p:sp>
       <p:sp>
         <p:nvSpPr>
-          <p:cNvPr id="112" name="Rectangle 111">
-            <a:extLst>
-              <a:ext uri="{FF2B5EF4-FFF2-40B4-BE49-F238E27FC236}">
-                <a16:creationId xmlns:a16="http://schemas.microsoft.com/office/drawing/2014/main" id="{7CA979AA-FF4E-CF62-F05C-B7827F6681E2}"/>
-              </a:ext>
-            </a:extLst>
-          </p:cNvPr>
-          <p:cNvSpPr/>
-          <p:nvPr/>
-        </p:nvSpPr>
-        <p:spPr>
-          <a:xfrm>
-            <a:off x="1" y="5948362"/>
-            <a:ext cx="9250118" cy="909637"/>
-          </a:xfrm>
-          <a:prstGeom prst="rect">
-            <a:avLst/>
-          </a:prstGeom>
-          <a:solidFill>
-            <a:srgbClr val="555656"/>
-          </a:solidFill>
-          <a:ln w="28575">
-            <a:noFill/>
-          </a:ln>
-        </p:spPr>
-        <p:style>
-          <a:lnRef idx="2">
-            <a:schemeClr val="accent1">
-              <a:shade val="15000"/>
-            </a:schemeClr>
-          </a:lnRef>
-          <a:fillRef idx="1">
-            <a:schemeClr val="accent1"/>
-          </a:fillRef>
-          <a:effectRef idx="0">
-            <a:schemeClr val="accent1"/>
-          </a:effectRef>
-          <a:fontRef idx="minor">
-            <a:schemeClr val="lt1"/>
-          </a:fontRef>
-        </p:style>
-        <p:txBody>
-          <a:bodyPr rtlCol="0" anchor="ctr"/>
-          <a:lstStyle/>
-          <a:p>
-            <a:pPr algn="ctr"/>
-            <a:endParaRPr lang="en-GB"/>
-          </a:p>
-        </p:txBody>
-      </p:sp>
-      <p:sp>
-        <p:nvSpPr>
           <p:cNvPr id="2" name="Rectangle 1">
             <a:extLst>
               <a:ext uri="{FF2B5EF4-FFF2-40B4-BE49-F238E27FC236}">
@@ -8474,8 +8474,8 @@
         </p:nvSpPr>
         <p:spPr>
           <a:xfrm>
-            <a:off x="0" y="6007100"/>
-            <a:ext cx="9251950" cy="850993"/>
+            <a:off x="0" y="5901204"/>
+            <a:ext cx="9251950" cy="956890"/>
           </a:xfrm>
           <a:prstGeom prst="rect">
             <a:avLst/>

--- a/imgs_2026/Lancaster/LancasterTownHallGraphic-Welcome.pptx
+++ b/imgs_2026/Lancaster/LancasterTownHallGraphic-Welcome.pptx
@@ -115,7 +115,7 @@
 <file path=ppt/revisionInfo.xml><?xml version="1.0" encoding="utf-8"?>
 <p1510:revInfo xmlns:a="http://schemas.openxmlformats.org/drawingml/2006/main" xmlns:r="http://schemas.openxmlformats.org/officeDocument/2006/relationships" xmlns:p1510="http://schemas.microsoft.com/office/powerpoint/2015/10/main">
   <p1510:revLst>
-    <p1510:client id="{81F244D6-3097-4597-882C-AE87135689FB}" v="1" dt="2025-11-13T10:01:18.214"/>
+    <p1510:client id="{81F244D6-3097-4597-882C-AE87135689FB}" v="3" dt="2025-11-13T10:07:43.220"/>
   </p1510:revLst>
 </p1510:revInfo>
 </file>
@@ -125,22 +125,38 @@
   <pc:docChgLst>
     <pc:chgData name="Williams, Bryan" userId="6f402815-f940-461c-8e6c-77be8efeb72b" providerId="ADAL" clId="{69E14B03-858D-4744-810D-5D4859937A91}"/>
     <pc:docChg chg="modSld">
-      <pc:chgData name="Williams, Bryan" userId="6f402815-f940-461c-8e6c-77be8efeb72b" providerId="ADAL" clId="{69E14B03-858D-4744-810D-5D4859937A91}" dt="2025-11-13T10:04:39.214" v="7" actId="166"/>
+      <pc:chgData name="Williams, Bryan" userId="6f402815-f940-461c-8e6c-77be8efeb72b" providerId="ADAL" clId="{69E14B03-858D-4744-810D-5D4859937A91}" dt="2025-11-13T10:08:01.248" v="189" actId="555"/>
       <pc:docMkLst>
         <pc:docMk/>
       </pc:docMkLst>
       <pc:sldChg chg="addSp modSp mod">
-        <pc:chgData name="Williams, Bryan" userId="6f402815-f940-461c-8e6c-77be8efeb72b" providerId="ADAL" clId="{69E14B03-858D-4744-810D-5D4859937A91}" dt="2025-11-13T10:04:39.214" v="7" actId="166"/>
+        <pc:chgData name="Williams, Bryan" userId="6f402815-f940-461c-8e6c-77be8efeb72b" providerId="ADAL" clId="{69E14B03-858D-4744-810D-5D4859937A91}" dt="2025-11-13T10:08:01.248" v="189" actId="555"/>
         <pc:sldMkLst>
           <pc:docMk/>
           <pc:sldMk cId="265998749" sldId="256"/>
         </pc:sldMkLst>
         <pc:spChg chg="add mod ord">
-          <ac:chgData name="Williams, Bryan" userId="6f402815-f940-461c-8e6c-77be8efeb72b" providerId="ADAL" clId="{69E14B03-858D-4744-810D-5D4859937A91}" dt="2025-11-13T10:04:39.214" v="7" actId="166"/>
+          <ac:chgData name="Williams, Bryan" userId="6f402815-f940-461c-8e6c-77be8efeb72b" providerId="ADAL" clId="{69E14B03-858D-4744-810D-5D4859937A91}" dt="2025-11-13T10:07:56.006" v="188" actId="553"/>
           <ac:spMkLst>
             <pc:docMk/>
             <pc:sldMk cId="265998749" sldId="256"/>
             <ac:spMk id="2" creationId="{8ED3EC6F-CB02-7521-C643-4EE5B8A31FED}"/>
+          </ac:spMkLst>
+        </pc:spChg>
+        <pc:spChg chg="add mod">
+          <ac:chgData name="Williams, Bryan" userId="6f402815-f940-461c-8e6c-77be8efeb72b" providerId="ADAL" clId="{69E14B03-858D-4744-810D-5D4859937A91}" dt="2025-11-13T10:08:01.248" v="189" actId="555"/>
+          <ac:spMkLst>
+            <pc:docMk/>
+            <pc:sldMk cId="265998749" sldId="256"/>
+            <ac:spMk id="3" creationId="{50DF3C2A-EE87-93E2-2567-A25A3BE17F83}"/>
+          </ac:spMkLst>
+        </pc:spChg>
+        <pc:spChg chg="add mod">
+          <ac:chgData name="Williams, Bryan" userId="6f402815-f940-461c-8e6c-77be8efeb72b" providerId="ADAL" clId="{69E14B03-858D-4744-810D-5D4859937A91}" dt="2025-11-13T10:08:01.248" v="189" actId="555"/>
+          <ac:spMkLst>
+            <pc:docMk/>
+            <pc:sldMk cId="265998749" sldId="256"/>
+            <ac:spMk id="4" creationId="{5B633562-15D2-56FF-AB35-382EF494481C}"/>
           </ac:spMkLst>
         </pc:spChg>
         <pc:spChg chg="mod ord">
@@ -8512,6 +8528,136 @@
               <a:rPr lang="en-US" sz="6600" dirty="0"/>
               <a:t>Welcome to Lancaster</a:t>
             </a:r>
+            <a:endParaRPr lang="en-GB" sz="6600" dirty="0"/>
+          </a:p>
+        </p:txBody>
+      </p:sp>
+      <p:sp>
+        <p:nvSpPr>
+          <p:cNvPr id="3" name="Rectangle 2">
+            <a:extLst>
+              <a:ext uri="{FF2B5EF4-FFF2-40B4-BE49-F238E27FC236}">
+                <a16:creationId xmlns:a16="http://schemas.microsoft.com/office/drawing/2014/main" id="{50DF3C2A-EE87-93E2-2567-A25A3BE17F83}"/>
+              </a:ext>
+            </a:extLst>
+          </p:cNvPr>
+          <p:cNvSpPr/>
+          <p:nvPr/>
+        </p:nvSpPr>
+        <p:spPr>
+          <a:xfrm>
+            <a:off x="2180" y="5591452"/>
+            <a:ext cx="967171" cy="356903"/>
+          </a:xfrm>
+          <a:prstGeom prst="rect">
+            <a:avLst/>
+          </a:prstGeom>
+          <a:gradFill>
+            <a:gsLst>
+              <a:gs pos="0">
+                <a:srgbClr val="555656">
+                  <a:alpha val="0"/>
+                </a:srgbClr>
+              </a:gs>
+              <a:gs pos="81000">
+                <a:srgbClr val="555656"/>
+              </a:gs>
+              <a:gs pos="100000">
+                <a:srgbClr val="555656"/>
+              </a:gs>
+            </a:gsLst>
+            <a:lin ang="5400000" scaled="1"/>
+          </a:gradFill>
+          <a:ln>
+            <a:noFill/>
+          </a:ln>
+        </p:spPr>
+        <p:style>
+          <a:lnRef idx="2">
+            <a:schemeClr val="accent1">
+              <a:shade val="15000"/>
+            </a:schemeClr>
+          </a:lnRef>
+          <a:fillRef idx="1">
+            <a:schemeClr val="accent1"/>
+          </a:fillRef>
+          <a:effectRef idx="0">
+            <a:schemeClr val="accent1"/>
+          </a:effectRef>
+          <a:fontRef idx="minor">
+            <a:schemeClr val="lt1"/>
+          </a:fontRef>
+        </p:style>
+        <p:txBody>
+          <a:bodyPr rtlCol="0" anchor="ctr"/>
+          <a:lstStyle/>
+          <a:p>
+            <a:pPr algn="ctr"/>
+            <a:endParaRPr lang="en-GB" sz="6600" dirty="0"/>
+          </a:p>
+        </p:txBody>
+      </p:sp>
+      <p:sp>
+        <p:nvSpPr>
+          <p:cNvPr id="4" name="Rectangle 3">
+            <a:extLst>
+              <a:ext uri="{FF2B5EF4-FFF2-40B4-BE49-F238E27FC236}">
+                <a16:creationId xmlns:a16="http://schemas.microsoft.com/office/drawing/2014/main" id="{5B633562-15D2-56FF-AB35-382EF494481C}"/>
+              </a:ext>
+            </a:extLst>
+          </p:cNvPr>
+          <p:cNvSpPr/>
+          <p:nvPr/>
+        </p:nvSpPr>
+        <p:spPr>
+          <a:xfrm>
+            <a:off x="8284779" y="5591452"/>
+            <a:ext cx="967171" cy="356903"/>
+          </a:xfrm>
+          <a:prstGeom prst="rect">
+            <a:avLst/>
+          </a:prstGeom>
+          <a:gradFill>
+            <a:gsLst>
+              <a:gs pos="0">
+                <a:srgbClr val="555656">
+                  <a:alpha val="0"/>
+                </a:srgbClr>
+              </a:gs>
+              <a:gs pos="81000">
+                <a:srgbClr val="555656"/>
+              </a:gs>
+              <a:gs pos="100000">
+                <a:srgbClr val="555656"/>
+              </a:gs>
+            </a:gsLst>
+            <a:lin ang="5400000" scaled="1"/>
+          </a:gradFill>
+          <a:ln>
+            <a:noFill/>
+          </a:ln>
+        </p:spPr>
+        <p:style>
+          <a:lnRef idx="2">
+            <a:schemeClr val="accent1">
+              <a:shade val="15000"/>
+            </a:schemeClr>
+          </a:lnRef>
+          <a:fillRef idx="1">
+            <a:schemeClr val="accent1"/>
+          </a:fillRef>
+          <a:effectRef idx="0">
+            <a:schemeClr val="accent1"/>
+          </a:effectRef>
+          <a:fontRef idx="minor">
+            <a:schemeClr val="lt1"/>
+          </a:fontRef>
+        </p:style>
+        <p:txBody>
+          <a:bodyPr rtlCol="0" anchor="ctr"/>
+          <a:lstStyle/>
+          <a:p>
+            <a:pPr algn="ctr"/>
             <a:endParaRPr lang="en-GB" sz="6600" dirty="0"/>
           </a:p>
         </p:txBody>

--- a/imgs_2026/Lancaster/LancasterTownHallGraphic-Welcome.pptx
+++ b/imgs_2026/Lancaster/LancasterTownHallGraphic-Welcome.pptx
@@ -125,12 +125,12 @@
   <pc:docChgLst>
     <pc:chgData name="Williams, Bryan" userId="6f402815-f940-461c-8e6c-77be8efeb72b" providerId="ADAL" clId="{69E14B03-858D-4744-810D-5D4859937A91}"/>
     <pc:docChg chg="modSld">
-      <pc:chgData name="Williams, Bryan" userId="6f402815-f940-461c-8e6c-77be8efeb72b" providerId="ADAL" clId="{69E14B03-858D-4744-810D-5D4859937A91}" dt="2025-11-13T10:08:01.248" v="189" actId="555"/>
+      <pc:chgData name="Williams, Bryan" userId="6f402815-f940-461c-8e6c-77be8efeb72b" providerId="ADAL" clId="{69E14B03-858D-4744-810D-5D4859937A91}" dt="2025-11-13T10:09:48.364" v="195" actId="14100"/>
       <pc:docMkLst>
         <pc:docMk/>
       </pc:docMkLst>
       <pc:sldChg chg="addSp modSp mod">
-        <pc:chgData name="Williams, Bryan" userId="6f402815-f940-461c-8e6c-77be8efeb72b" providerId="ADAL" clId="{69E14B03-858D-4744-810D-5D4859937A91}" dt="2025-11-13T10:08:01.248" v="189" actId="555"/>
+        <pc:chgData name="Williams, Bryan" userId="6f402815-f940-461c-8e6c-77be8efeb72b" providerId="ADAL" clId="{69E14B03-858D-4744-810D-5D4859937A91}" dt="2025-11-13T10:09:48.364" v="195" actId="14100"/>
         <pc:sldMkLst>
           <pc:docMk/>
           <pc:sldMk cId="265998749" sldId="256"/>
@@ -144,7 +144,7 @@
           </ac:spMkLst>
         </pc:spChg>
         <pc:spChg chg="add mod">
-          <ac:chgData name="Williams, Bryan" userId="6f402815-f940-461c-8e6c-77be8efeb72b" providerId="ADAL" clId="{69E14B03-858D-4744-810D-5D4859937A91}" dt="2025-11-13T10:08:01.248" v="189" actId="555"/>
+          <ac:chgData name="Williams, Bryan" userId="6f402815-f940-461c-8e6c-77be8efeb72b" providerId="ADAL" clId="{69E14B03-858D-4744-810D-5D4859937A91}" dt="2025-11-13T10:09:45.473" v="194" actId="554"/>
           <ac:spMkLst>
             <pc:docMk/>
             <pc:sldMk cId="265998749" sldId="256"/>
@@ -152,7 +152,7 @@
           </ac:spMkLst>
         </pc:spChg>
         <pc:spChg chg="add mod">
-          <ac:chgData name="Williams, Bryan" userId="6f402815-f940-461c-8e6c-77be8efeb72b" providerId="ADAL" clId="{69E14B03-858D-4744-810D-5D4859937A91}" dt="2025-11-13T10:08:01.248" v="189" actId="555"/>
+          <ac:chgData name="Williams, Bryan" userId="6f402815-f940-461c-8e6c-77be8efeb72b" providerId="ADAL" clId="{69E14B03-858D-4744-810D-5D4859937A91}" dt="2025-11-13T10:09:48.364" v="195" actId="14100"/>
           <ac:spMkLst>
             <pc:docMk/>
             <pc:sldMk cId="265998749" sldId="256"/>
@@ -8546,28 +8546,15 @@
         </p:nvSpPr>
         <p:spPr>
           <a:xfrm>
-            <a:off x="2180" y="5591452"/>
-            <a:ext cx="967171" cy="356903"/>
-          </a:xfrm>
-          <a:prstGeom prst="rect">
-            <a:avLst/>
-          </a:prstGeom>
-          <a:gradFill>
-            <a:gsLst>
-              <a:gs pos="0">
-                <a:srgbClr val="555656">
-                  <a:alpha val="0"/>
-                </a:srgbClr>
-              </a:gs>
-              <a:gs pos="81000">
-                <a:srgbClr val="555656"/>
-              </a:gs>
-              <a:gs pos="100000">
-                <a:srgbClr val="555656"/>
-              </a:gs>
-            </a:gsLst>
-            <a:lin ang="5400000" scaled="1"/>
-          </a:gradFill>
+            <a:off x="2180" y="5774095"/>
+            <a:ext cx="967171" cy="174260"/>
+          </a:xfrm>
+          <a:prstGeom prst="rect">
+            <a:avLst/>
+          </a:prstGeom>
+          <a:solidFill>
+            <a:srgbClr val="555656"/>
+          </a:solidFill>
           <a:ln>
             <a:noFill/>
           </a:ln>
@@ -8611,28 +8598,15 @@
         </p:nvSpPr>
         <p:spPr>
           <a:xfrm>
-            <a:off x="8284779" y="5591452"/>
-            <a:ext cx="967171" cy="356903"/>
-          </a:xfrm>
-          <a:prstGeom prst="rect">
-            <a:avLst/>
-          </a:prstGeom>
-          <a:gradFill>
-            <a:gsLst>
-              <a:gs pos="0">
-                <a:srgbClr val="555656">
-                  <a:alpha val="0"/>
-                </a:srgbClr>
-              </a:gs>
-              <a:gs pos="81000">
-                <a:srgbClr val="555656"/>
-              </a:gs>
-              <a:gs pos="100000">
-                <a:srgbClr val="555656"/>
-              </a:gs>
-            </a:gsLst>
-            <a:lin ang="5400000" scaled="1"/>
-          </a:gradFill>
+            <a:off x="8284779" y="5774095"/>
+            <a:ext cx="967171" cy="250469"/>
+          </a:xfrm>
+          <a:prstGeom prst="rect">
+            <a:avLst/>
+          </a:prstGeom>
+          <a:solidFill>
+            <a:srgbClr val="555656"/>
+          </a:solidFill>
           <a:ln>
             <a:noFill/>
           </a:ln>

--- a/imgs_2026/Lancaster/LancasterTownHallGraphic-Welcome.pptx
+++ b/imgs_2026/Lancaster/LancasterTownHallGraphic-Welcome.pptx
@@ -125,18 +125,18 @@
   <pc:docChgLst>
     <pc:chgData name="Williams, Bryan" userId="6f402815-f940-461c-8e6c-77be8efeb72b" providerId="ADAL" clId="{69E14B03-858D-4744-810D-5D4859937A91}"/>
     <pc:docChg chg="modSld">
-      <pc:chgData name="Williams, Bryan" userId="6f402815-f940-461c-8e6c-77be8efeb72b" providerId="ADAL" clId="{69E14B03-858D-4744-810D-5D4859937A91}" dt="2025-11-13T10:09:48.364" v="195" actId="14100"/>
+      <pc:chgData name="Williams, Bryan" userId="6f402815-f940-461c-8e6c-77be8efeb72b" providerId="ADAL" clId="{69E14B03-858D-4744-810D-5D4859937A91}" dt="2025-11-13T11:06:47.483" v="197" actId="404"/>
       <pc:docMkLst>
         <pc:docMk/>
       </pc:docMkLst>
       <pc:sldChg chg="addSp modSp mod">
-        <pc:chgData name="Williams, Bryan" userId="6f402815-f940-461c-8e6c-77be8efeb72b" providerId="ADAL" clId="{69E14B03-858D-4744-810D-5D4859937A91}" dt="2025-11-13T10:09:48.364" v="195" actId="14100"/>
+        <pc:chgData name="Williams, Bryan" userId="6f402815-f940-461c-8e6c-77be8efeb72b" providerId="ADAL" clId="{69E14B03-858D-4744-810D-5D4859937A91}" dt="2025-11-13T11:06:47.483" v="197" actId="404"/>
         <pc:sldMkLst>
           <pc:docMk/>
           <pc:sldMk cId="265998749" sldId="256"/>
         </pc:sldMkLst>
         <pc:spChg chg="add mod ord">
-          <ac:chgData name="Williams, Bryan" userId="6f402815-f940-461c-8e6c-77be8efeb72b" providerId="ADAL" clId="{69E14B03-858D-4744-810D-5D4859937A91}" dt="2025-11-13T10:07:56.006" v="188" actId="553"/>
+          <ac:chgData name="Williams, Bryan" userId="6f402815-f940-461c-8e6c-77be8efeb72b" providerId="ADAL" clId="{69E14B03-858D-4744-810D-5D4859937A91}" dt="2025-11-13T11:06:47.483" v="197" actId="404"/>
           <ac:spMkLst>
             <pc:docMk/>
             <pc:sldMk cId="265998749" sldId="256"/>
@@ -8525,10 +8525,10 @@
           <a:p>
             <a:pPr algn="ctr"/>
             <a:r>
-              <a:rPr lang="en-US" sz="6600" dirty="0"/>
+              <a:rPr lang="en-US" sz="5400" dirty="0"/>
               <a:t>Welcome to Lancaster</a:t>
             </a:r>
-            <a:endParaRPr lang="en-GB" sz="6600" dirty="0"/>
+            <a:endParaRPr lang="en-GB" sz="5400" dirty="0"/>
           </a:p>
         </p:txBody>
       </p:sp>
